--- a/assets/lectures/BPW_Lecture_08.pptx
+++ b/assets/lectures/BPW_Lecture_08.pptx
@@ -33,7 +33,8 @@
     <p:sldId id="325" r:id="rId27"/>
     <p:sldId id="326" r:id="rId28"/>
     <p:sldId id="340" r:id="rId29"/>
-    <p:sldId id="302" r:id="rId30"/>
+    <p:sldId id="341" r:id="rId30"/>
+    <p:sldId id="302" r:id="rId31"/>
   </p:sldIdLst>
   <p:sldSz cx="12192000" cy="6858000"/>
   <p:notesSz cx="6858000" cy="9144000"/>
@@ -299,7 +300,7 @@
           <a:p>
             <a:fld id="{F57857CC-207A-4D73-9A20-C856A5068D10}" type="datetimeFigureOut">
               <a:rPr lang="en-US" smtClean="0"/>
-              <a:t>1/1/19</a:t>
+              <a:t>1/2/19</a:t>
             </a:fld>
             <a:endParaRPr lang="en-US"/>
           </a:p>
@@ -497,7 +498,7 @@
           <a:p>
             <a:fld id="{F57857CC-207A-4D73-9A20-C856A5068D10}" type="datetimeFigureOut">
               <a:rPr lang="en-US" smtClean="0"/>
-              <a:t>1/1/19</a:t>
+              <a:t>1/2/19</a:t>
             </a:fld>
             <a:endParaRPr lang="en-US"/>
           </a:p>
@@ -705,7 +706,7 @@
           <a:p>
             <a:fld id="{F57857CC-207A-4D73-9A20-C856A5068D10}" type="datetimeFigureOut">
               <a:rPr lang="en-US" smtClean="0"/>
-              <a:t>1/1/19</a:t>
+              <a:t>1/2/19</a:t>
             </a:fld>
             <a:endParaRPr lang="en-US"/>
           </a:p>
@@ -903,7 +904,7 @@
           <a:p>
             <a:fld id="{F57857CC-207A-4D73-9A20-C856A5068D10}" type="datetimeFigureOut">
               <a:rPr lang="en-US" smtClean="0"/>
-              <a:t>1/1/19</a:t>
+              <a:t>1/2/19</a:t>
             </a:fld>
             <a:endParaRPr lang="en-US"/>
           </a:p>
@@ -1178,7 +1179,7 @@
           <a:p>
             <a:fld id="{F57857CC-207A-4D73-9A20-C856A5068D10}" type="datetimeFigureOut">
               <a:rPr lang="en-US" smtClean="0"/>
-              <a:t>1/1/19</a:t>
+              <a:t>1/2/19</a:t>
             </a:fld>
             <a:endParaRPr lang="en-US"/>
           </a:p>
@@ -1443,7 +1444,7 @@
           <a:p>
             <a:fld id="{F57857CC-207A-4D73-9A20-C856A5068D10}" type="datetimeFigureOut">
               <a:rPr lang="en-US" smtClean="0"/>
-              <a:t>1/1/19</a:t>
+              <a:t>1/2/19</a:t>
             </a:fld>
             <a:endParaRPr lang="en-US"/>
           </a:p>
@@ -1855,7 +1856,7 @@
           <a:p>
             <a:fld id="{F57857CC-207A-4D73-9A20-C856A5068D10}" type="datetimeFigureOut">
               <a:rPr lang="en-US" smtClean="0"/>
-              <a:t>1/1/19</a:t>
+              <a:t>1/2/19</a:t>
             </a:fld>
             <a:endParaRPr lang="en-US"/>
           </a:p>
@@ -1996,7 +1997,7 @@
           <a:p>
             <a:fld id="{F57857CC-207A-4D73-9A20-C856A5068D10}" type="datetimeFigureOut">
               <a:rPr lang="en-US" smtClean="0"/>
-              <a:t>1/1/19</a:t>
+              <a:t>1/2/19</a:t>
             </a:fld>
             <a:endParaRPr lang="en-US"/>
           </a:p>
@@ -2109,7 +2110,7 @@
           <a:p>
             <a:fld id="{F57857CC-207A-4D73-9A20-C856A5068D10}" type="datetimeFigureOut">
               <a:rPr lang="en-US" smtClean="0"/>
-              <a:t>1/1/19</a:t>
+              <a:t>1/2/19</a:t>
             </a:fld>
             <a:endParaRPr lang="en-US"/>
           </a:p>
@@ -2420,7 +2421,7 @@
           <a:p>
             <a:fld id="{F57857CC-207A-4D73-9A20-C856A5068D10}" type="datetimeFigureOut">
               <a:rPr lang="en-US" smtClean="0"/>
-              <a:t>1/1/19</a:t>
+              <a:t>1/2/19</a:t>
             </a:fld>
             <a:endParaRPr lang="en-US"/>
           </a:p>
@@ -2708,7 +2709,7 @@
           <a:p>
             <a:fld id="{F57857CC-207A-4D73-9A20-C856A5068D10}" type="datetimeFigureOut">
               <a:rPr lang="en-US" smtClean="0"/>
-              <a:t>1/1/19</a:t>
+              <a:t>1/2/19</a:t>
             </a:fld>
             <a:endParaRPr lang="en-US"/>
           </a:p>
@@ -2949,7 +2950,7 @@
           <a:p>
             <a:fld id="{F57857CC-207A-4D73-9A20-C856A5068D10}" type="datetimeFigureOut">
               <a:rPr lang="en-US" smtClean="0"/>
-              <a:t>1/1/19</a:t>
+              <a:t>1/2/19</a:t>
             </a:fld>
             <a:endParaRPr lang="en-US"/>
           </a:p>
@@ -15610,10 +15611,10 @@
       </p:sp>
       <p:sp>
         <p:nvSpPr>
-          <p:cNvPr id="7" name="TextBox 6">
-            <a:extLst>
-              <a:ext uri="{FF2B5EF4-FFF2-40B4-BE49-F238E27FC236}">
-                <a16:creationId xmlns:a16="http://schemas.microsoft.com/office/drawing/2014/main" id="{ED7E96AE-E09B-40E0-8966-5104069C1F43}"/>
+          <p:cNvPr id="12" name="TextBox 11">
+            <a:extLst>
+              <a:ext uri="{FF2B5EF4-FFF2-40B4-BE49-F238E27FC236}">
+                <a16:creationId xmlns:a16="http://schemas.microsoft.com/office/drawing/2014/main" id="{534D470F-9684-FB40-9707-E01DCFD4FD8E}"/>
               </a:ext>
             </a:extLst>
           </p:cNvPr>
@@ -15622,8 +15623,8 @@
         </p:nvSpPr>
         <p:spPr>
           <a:xfrm>
-            <a:off x="4389791" y="3105834"/>
-            <a:ext cx="3412417" cy="646331"/>
+            <a:off x="536954" y="1318963"/>
+            <a:ext cx="10579395" cy="1891287"/>
           </a:xfrm>
           <a:prstGeom prst="rect">
             <a:avLst/>
@@ -15636,18 +15637,161 @@
           </a:bodyPr>
           <a:lstStyle/>
           <a:p>
-            <a:pPr algn="ctr"/>
-            <a:r>
-              <a:rPr lang="en-US" sz="3600" dirty="0"/>
-              <a:t>Live Demo</a:t>
-            </a:r>
-          </a:p>
-        </p:txBody>
-      </p:sp>
+            <a:pPr marL="342900" indent="-342900">
+              <a:lnSpc>
+                <a:spcPct val="150000"/>
+              </a:lnSpc>
+              <a:buFont typeface="Wingdings" pitchFamily="2" charset="2"/>
+              <a:buChar char="q"/>
+            </a:pPr>
+            <a:r>
+              <a:rPr lang="en-US" sz="2000" dirty="0"/>
+              <a:t>Create a separate </a:t>
+            </a:r>
+            <a:r>
+              <a:rPr lang="en-US" sz="2000" dirty="0" err="1"/>
+              <a:t>JQuery</a:t>
+            </a:r>
+            <a:r>
+              <a:rPr lang="en-US" sz="2000" dirty="0"/>
+              <a:t> file and link it into your HTML files.</a:t>
+            </a:r>
+          </a:p>
+          <a:p>
+            <a:pPr marL="342900" indent="-342900">
+              <a:lnSpc>
+                <a:spcPct val="150000"/>
+              </a:lnSpc>
+              <a:buFont typeface="Wingdings" pitchFamily="2" charset="2"/>
+              <a:buChar char="q"/>
+            </a:pPr>
+            <a:r>
+              <a:rPr lang="en-US" sz="2000" dirty="0"/>
+              <a:t>Convert HTML links to </a:t>
+            </a:r>
+            <a:r>
+              <a:rPr lang="en-US" sz="2000" dirty="0" err="1"/>
+              <a:t>JQuery</a:t>
+            </a:r>
+            <a:r>
+              <a:rPr lang="en-US" sz="2000" dirty="0"/>
+              <a:t> links that open in a new page.</a:t>
+            </a:r>
+          </a:p>
+          <a:p>
+            <a:pPr marL="342900" indent="-342900">
+              <a:lnSpc>
+                <a:spcPct val="150000"/>
+              </a:lnSpc>
+              <a:buFont typeface="Wingdings" pitchFamily="2" charset="2"/>
+              <a:buChar char="q"/>
+            </a:pPr>
+            <a:r>
+              <a:rPr lang="en-US" sz="2000" dirty="0"/>
+              <a:t>Change CSS properties using </a:t>
+            </a:r>
+            <a:r>
+              <a:rPr lang="en-US" sz="2000" dirty="0" err="1"/>
+              <a:t>JQuery</a:t>
+            </a:r>
+            <a:r>
+              <a:rPr lang="en-US" sz="2000" dirty="0"/>
+              <a:t>.</a:t>
+            </a:r>
+          </a:p>
+          <a:p>
+            <a:pPr>
+              <a:lnSpc>
+                <a:spcPct val="150000"/>
+              </a:lnSpc>
+            </a:pPr>
+            <a:endParaRPr lang="en-US" sz="2000" dirty="0"/>
+          </a:p>
+        </p:txBody>
+      </p:sp>
+      <p:sp>
+        <p:nvSpPr>
+          <p:cNvPr id="14" name="TextBox 13">
+            <a:extLst>
+              <a:ext uri="{FF2B5EF4-FFF2-40B4-BE49-F238E27FC236}">
+                <a16:creationId xmlns:a16="http://schemas.microsoft.com/office/drawing/2014/main" id="{54D48F90-7555-4849-8178-01595E8263B0}"/>
+              </a:ext>
+            </a:extLst>
+          </p:cNvPr>
+          <p:cNvSpPr txBox="1"/>
+          <p:nvPr/>
+        </p:nvSpPr>
+        <p:spPr>
+          <a:xfrm>
+            <a:off x="3703675" y="9526"/>
+            <a:ext cx="4784649" cy="1003031"/>
+          </a:xfrm>
+          <a:prstGeom prst="rect">
+            <a:avLst/>
+          </a:prstGeom>
+          <a:noFill/>
+        </p:spPr>
+        <p:txBody>
+          <a:bodyPr wrap="square" rtlCol="0">
+            <a:spAutoFit/>
+          </a:bodyPr>
+          <a:lstStyle/>
+          <a:p>
+            <a:pPr algn="ctr">
+              <a:lnSpc>
+                <a:spcPct val="150000"/>
+              </a:lnSpc>
+            </a:pPr>
+            <a:r>
+              <a:rPr lang="en-US" sz="4400" dirty="0"/>
+              <a:t>Homework Ideas</a:t>
+            </a:r>
+          </a:p>
+        </p:txBody>
+      </p:sp>
+      <p:cxnSp>
+        <p:nvCxnSpPr>
+          <p:cNvPr id="17" name="Straight Connector 16">
+            <a:extLst>
+              <a:ext uri="{FF2B5EF4-FFF2-40B4-BE49-F238E27FC236}">
+                <a16:creationId xmlns:a16="http://schemas.microsoft.com/office/drawing/2014/main" id="{FD66E93F-B9B4-834D-A867-1AEF42942076}"/>
+              </a:ext>
+            </a:extLst>
+          </p:cNvPr>
+          <p:cNvCxnSpPr>
+            <a:cxnSpLocks/>
+          </p:cNvCxnSpPr>
+          <p:nvPr/>
+        </p:nvCxnSpPr>
+        <p:spPr>
+          <a:xfrm>
+            <a:off x="5955606" y="1013664"/>
+            <a:ext cx="419986" cy="0"/>
+          </a:xfrm>
+          <a:prstGeom prst="line">
+            <a:avLst/>
+          </a:prstGeom>
+          <a:ln w="28575"/>
+        </p:spPr>
+        <p:style>
+          <a:lnRef idx="1">
+            <a:schemeClr val="dk1"/>
+          </a:lnRef>
+          <a:fillRef idx="0">
+            <a:schemeClr val="dk1"/>
+          </a:fillRef>
+          <a:effectRef idx="0">
+            <a:schemeClr val="dk1"/>
+          </a:effectRef>
+          <a:fontRef idx="minor">
+            <a:schemeClr val="tx1"/>
+          </a:fontRef>
+        </p:style>
+      </p:cxnSp>
     </p:spTree>
     <p:extLst>
       <p:ext uri="{BB962C8B-B14F-4D97-AF65-F5344CB8AC3E}">
-        <p14:creationId xmlns:p14="http://schemas.microsoft.com/office/powerpoint/2010/main" val="1428014379"/>
+        <p14:creationId xmlns:p14="http://schemas.microsoft.com/office/powerpoint/2010/main" val="2632673702"/>
       </p:ext>
     </p:extLst>
   </p:cSld>
@@ -15911,6 +16055,275 @@
     <p:extLst>
       <p:ext uri="{BB962C8B-B14F-4D97-AF65-F5344CB8AC3E}">
         <p14:creationId xmlns:p14="http://schemas.microsoft.com/office/powerpoint/2010/main" val="1944063659"/>
+      </p:ext>
+    </p:extLst>
+  </p:cSld>
+  <p:clrMapOvr>
+    <a:masterClrMapping/>
+  </p:clrMapOvr>
+</p:sld>
+</file>
+
+<file path=ppt/slides/slide30.xml><?xml version="1.0" encoding="utf-8"?>
+<p:sld xmlns:a="http://schemas.openxmlformats.org/drawingml/2006/main" xmlns:r="http://schemas.openxmlformats.org/officeDocument/2006/relationships" xmlns:p="http://schemas.openxmlformats.org/presentationml/2006/main">
+  <p:cSld>
+    <p:bg>
+      <p:bgPr>
+        <a:solidFill>
+          <a:schemeClr val="bg2"/>
+        </a:solidFill>
+        <a:effectLst/>
+      </p:bgPr>
+    </p:bg>
+    <p:spTree>
+      <p:nvGrpSpPr>
+        <p:cNvPr id="1" name=""/>
+        <p:cNvGrpSpPr/>
+        <p:nvPr/>
+      </p:nvGrpSpPr>
+      <p:grpSpPr>
+        <a:xfrm>
+          <a:off x="0" y="0"/>
+          <a:ext cx="0" cy="0"/>
+          <a:chOff x="0" y="0"/>
+          <a:chExt cx="0" cy="0"/>
+        </a:xfrm>
+      </p:grpSpPr>
+      <p:sp>
+        <p:nvSpPr>
+          <p:cNvPr id="4" name="Rectangle 3">
+            <a:extLst>
+              <a:ext uri="{FF2B5EF4-FFF2-40B4-BE49-F238E27FC236}">
+                <a16:creationId xmlns:a16="http://schemas.microsoft.com/office/drawing/2014/main" id="{678F1DA2-2833-49FF-9287-44720AC6C8D2}"/>
+              </a:ext>
+            </a:extLst>
+          </p:cNvPr>
+          <p:cNvSpPr/>
+          <p:nvPr/>
+        </p:nvSpPr>
+        <p:spPr>
+          <a:xfrm>
+            <a:off x="0" y="6581001"/>
+            <a:ext cx="9976268" cy="276999"/>
+          </a:xfrm>
+          <a:prstGeom prst="rect">
+            <a:avLst/>
+          </a:prstGeom>
+          <a:solidFill>
+            <a:srgbClr val="92D050"/>
+          </a:solidFill>
+          <a:ln>
+            <a:noFill/>
+          </a:ln>
+        </p:spPr>
+        <p:style>
+          <a:lnRef idx="2">
+            <a:schemeClr val="accent1">
+              <a:shade val="50000"/>
+            </a:schemeClr>
+          </a:lnRef>
+          <a:fillRef idx="1">
+            <a:schemeClr val="accent1"/>
+          </a:fillRef>
+          <a:effectRef idx="0">
+            <a:schemeClr val="accent1"/>
+          </a:effectRef>
+          <a:fontRef idx="minor">
+            <a:schemeClr val="lt1"/>
+          </a:fontRef>
+        </p:style>
+        <p:txBody>
+          <a:bodyPr rtlCol="0" anchor="ctr"/>
+          <a:lstStyle/>
+          <a:p>
+            <a:pPr algn="ctr"/>
+            <a:endParaRPr lang="en-US" dirty="0"/>
+          </a:p>
+        </p:txBody>
+      </p:sp>
+      <p:sp>
+        <p:nvSpPr>
+          <p:cNvPr id="5" name="TextBox 4">
+            <a:extLst>
+              <a:ext uri="{FF2B5EF4-FFF2-40B4-BE49-F238E27FC236}">
+                <a16:creationId xmlns:a16="http://schemas.microsoft.com/office/drawing/2014/main" id="{9758F7A4-2143-4CCD-B8B3-8B4A1461ECF9}"/>
+              </a:ext>
+            </a:extLst>
+          </p:cNvPr>
+          <p:cNvSpPr txBox="1"/>
+          <p:nvPr/>
+        </p:nvSpPr>
+        <p:spPr>
+          <a:xfrm>
+            <a:off x="36674" y="6583215"/>
+            <a:ext cx="2682077" cy="276999"/>
+          </a:xfrm>
+          <a:prstGeom prst="rect">
+            <a:avLst/>
+          </a:prstGeom>
+          <a:noFill/>
+        </p:spPr>
+        <p:txBody>
+          <a:bodyPr wrap="square" rtlCol="0">
+            <a:spAutoFit/>
+          </a:bodyPr>
+          <a:lstStyle/>
+          <a:p>
+            <a:r>
+              <a:rPr lang="en-US" sz="1200" dirty="0">
+                <a:solidFill>
+                  <a:schemeClr val="bg1"/>
+                </a:solidFill>
+              </a:rPr>
+              <a:t>Building Personal Websites</a:t>
+            </a:r>
+          </a:p>
+        </p:txBody>
+      </p:sp>
+      <p:sp>
+        <p:nvSpPr>
+          <p:cNvPr id="6" name="Rectangle 5">
+            <a:extLst>
+              <a:ext uri="{FF2B5EF4-FFF2-40B4-BE49-F238E27FC236}">
+                <a16:creationId xmlns:a16="http://schemas.microsoft.com/office/drawing/2014/main" id="{40845236-8634-4353-BA0D-8817FE36EC7A}"/>
+              </a:ext>
+            </a:extLst>
+          </p:cNvPr>
+          <p:cNvSpPr/>
+          <p:nvPr/>
+        </p:nvSpPr>
+        <p:spPr>
+          <a:xfrm>
+            <a:off x="9921514" y="6581001"/>
+            <a:ext cx="2270485" cy="276999"/>
+          </a:xfrm>
+          <a:prstGeom prst="rect">
+            <a:avLst/>
+          </a:prstGeom>
+          <a:solidFill>
+            <a:srgbClr val="00B0F0"/>
+          </a:solidFill>
+          <a:ln>
+            <a:noFill/>
+          </a:ln>
+        </p:spPr>
+        <p:style>
+          <a:lnRef idx="2">
+            <a:schemeClr val="accent1">
+              <a:shade val="50000"/>
+            </a:schemeClr>
+          </a:lnRef>
+          <a:fillRef idx="1">
+            <a:schemeClr val="accent1"/>
+          </a:fillRef>
+          <a:effectRef idx="0">
+            <a:schemeClr val="accent1"/>
+          </a:effectRef>
+          <a:fontRef idx="minor">
+            <a:schemeClr val="lt1"/>
+          </a:fontRef>
+        </p:style>
+        <p:txBody>
+          <a:bodyPr rtlCol="0" anchor="ctr"/>
+          <a:lstStyle/>
+          <a:p>
+            <a:pPr algn="ctr"/>
+            <a:endParaRPr lang="en-US" dirty="0"/>
+          </a:p>
+        </p:txBody>
+      </p:sp>
+      <p:sp>
+        <p:nvSpPr>
+          <p:cNvPr id="8" name="TextBox 7">
+            <a:extLst>
+              <a:ext uri="{FF2B5EF4-FFF2-40B4-BE49-F238E27FC236}">
+                <a16:creationId xmlns:a16="http://schemas.microsoft.com/office/drawing/2014/main" id="{6403EA4A-E7EB-4525-B0D2-13B3997D5780}"/>
+              </a:ext>
+            </a:extLst>
+          </p:cNvPr>
+          <p:cNvSpPr txBox="1"/>
+          <p:nvPr/>
+        </p:nvSpPr>
+        <p:spPr>
+          <a:xfrm>
+            <a:off x="9958188" y="6578787"/>
+            <a:ext cx="2682077" cy="276999"/>
+          </a:xfrm>
+          <a:prstGeom prst="rect">
+            <a:avLst/>
+          </a:prstGeom>
+          <a:noFill/>
+        </p:spPr>
+        <p:txBody>
+          <a:bodyPr wrap="square" rtlCol="0">
+            <a:spAutoFit/>
+          </a:bodyPr>
+          <a:lstStyle/>
+          <a:p>
+            <a:r>
+              <a:rPr lang="en-US" sz="1200" dirty="0">
+                <a:solidFill>
+                  <a:schemeClr val="bg1"/>
+                </a:solidFill>
+              </a:rPr>
+              <a:t>Lecture 08 | Intro to </a:t>
+            </a:r>
+            <a:r>
+              <a:rPr lang="en-US" sz="1200" dirty="0" err="1">
+                <a:solidFill>
+                  <a:schemeClr val="bg1"/>
+                </a:solidFill>
+              </a:rPr>
+              <a:t>JQuery</a:t>
+            </a:r>
+            <a:endParaRPr lang="en-US" sz="1200" dirty="0">
+              <a:solidFill>
+                <a:schemeClr val="bg1"/>
+              </a:solidFill>
+            </a:endParaRPr>
+          </a:p>
+        </p:txBody>
+      </p:sp>
+      <p:sp>
+        <p:nvSpPr>
+          <p:cNvPr id="7" name="TextBox 6">
+            <a:extLst>
+              <a:ext uri="{FF2B5EF4-FFF2-40B4-BE49-F238E27FC236}">
+                <a16:creationId xmlns:a16="http://schemas.microsoft.com/office/drawing/2014/main" id="{ED7E96AE-E09B-40E0-8966-5104069C1F43}"/>
+              </a:ext>
+            </a:extLst>
+          </p:cNvPr>
+          <p:cNvSpPr txBox="1"/>
+          <p:nvPr/>
+        </p:nvSpPr>
+        <p:spPr>
+          <a:xfrm>
+            <a:off x="4389791" y="3105834"/>
+            <a:ext cx="3412417" cy="646331"/>
+          </a:xfrm>
+          <a:prstGeom prst="rect">
+            <a:avLst/>
+          </a:prstGeom>
+          <a:noFill/>
+        </p:spPr>
+        <p:txBody>
+          <a:bodyPr wrap="square" rtlCol="0">
+            <a:spAutoFit/>
+          </a:bodyPr>
+          <a:lstStyle/>
+          <a:p>
+            <a:pPr algn="ctr"/>
+            <a:r>
+              <a:rPr lang="en-US" sz="3600" dirty="0"/>
+              <a:t>Live Demo</a:t>
+            </a:r>
+          </a:p>
+        </p:txBody>
+      </p:sp>
+    </p:spTree>
+    <p:extLst>
+      <p:ext uri="{BB962C8B-B14F-4D97-AF65-F5344CB8AC3E}">
+        <p14:creationId xmlns:p14="http://schemas.microsoft.com/office/powerpoint/2010/main" val="1428014379"/>
       </p:ext>
     </p:extLst>
   </p:cSld>

--- a/assets/lectures/BPW_Lecture_08.pptx
+++ b/assets/lectures/BPW_Lecture_08.pptx
@@ -300,7 +300,7 @@
           <a:p>
             <a:fld id="{F57857CC-207A-4D73-9A20-C856A5068D10}" type="datetimeFigureOut">
               <a:rPr lang="en-US" smtClean="0"/>
-              <a:t>1/2/19</a:t>
+              <a:t>1/8/19</a:t>
             </a:fld>
             <a:endParaRPr lang="en-US"/>
           </a:p>
@@ -498,7 +498,7 @@
           <a:p>
             <a:fld id="{F57857CC-207A-4D73-9A20-C856A5068D10}" type="datetimeFigureOut">
               <a:rPr lang="en-US" smtClean="0"/>
-              <a:t>1/2/19</a:t>
+              <a:t>1/8/19</a:t>
             </a:fld>
             <a:endParaRPr lang="en-US"/>
           </a:p>
@@ -706,7 +706,7 @@
           <a:p>
             <a:fld id="{F57857CC-207A-4D73-9A20-C856A5068D10}" type="datetimeFigureOut">
               <a:rPr lang="en-US" smtClean="0"/>
-              <a:t>1/2/19</a:t>
+              <a:t>1/8/19</a:t>
             </a:fld>
             <a:endParaRPr lang="en-US"/>
           </a:p>
@@ -904,7 +904,7 @@
           <a:p>
             <a:fld id="{F57857CC-207A-4D73-9A20-C856A5068D10}" type="datetimeFigureOut">
               <a:rPr lang="en-US" smtClean="0"/>
-              <a:t>1/2/19</a:t>
+              <a:t>1/8/19</a:t>
             </a:fld>
             <a:endParaRPr lang="en-US"/>
           </a:p>
@@ -1179,7 +1179,7 @@
           <a:p>
             <a:fld id="{F57857CC-207A-4D73-9A20-C856A5068D10}" type="datetimeFigureOut">
               <a:rPr lang="en-US" smtClean="0"/>
-              <a:t>1/2/19</a:t>
+              <a:t>1/8/19</a:t>
             </a:fld>
             <a:endParaRPr lang="en-US"/>
           </a:p>
@@ -1444,7 +1444,7 @@
           <a:p>
             <a:fld id="{F57857CC-207A-4D73-9A20-C856A5068D10}" type="datetimeFigureOut">
               <a:rPr lang="en-US" smtClean="0"/>
-              <a:t>1/2/19</a:t>
+              <a:t>1/8/19</a:t>
             </a:fld>
             <a:endParaRPr lang="en-US"/>
           </a:p>
@@ -1856,7 +1856,7 @@
           <a:p>
             <a:fld id="{F57857CC-207A-4D73-9A20-C856A5068D10}" type="datetimeFigureOut">
               <a:rPr lang="en-US" smtClean="0"/>
-              <a:t>1/2/19</a:t>
+              <a:t>1/8/19</a:t>
             </a:fld>
             <a:endParaRPr lang="en-US"/>
           </a:p>
@@ -1997,7 +1997,7 @@
           <a:p>
             <a:fld id="{F57857CC-207A-4D73-9A20-C856A5068D10}" type="datetimeFigureOut">
               <a:rPr lang="en-US" smtClean="0"/>
-              <a:t>1/2/19</a:t>
+              <a:t>1/8/19</a:t>
             </a:fld>
             <a:endParaRPr lang="en-US"/>
           </a:p>
@@ -2110,7 +2110,7 @@
           <a:p>
             <a:fld id="{F57857CC-207A-4D73-9A20-C856A5068D10}" type="datetimeFigureOut">
               <a:rPr lang="en-US" smtClean="0"/>
-              <a:t>1/2/19</a:t>
+              <a:t>1/8/19</a:t>
             </a:fld>
             <a:endParaRPr lang="en-US"/>
           </a:p>
@@ -2421,7 +2421,7 @@
           <a:p>
             <a:fld id="{F57857CC-207A-4D73-9A20-C856A5068D10}" type="datetimeFigureOut">
               <a:rPr lang="en-US" smtClean="0"/>
-              <a:t>1/2/19</a:t>
+              <a:t>1/8/19</a:t>
             </a:fld>
             <a:endParaRPr lang="en-US"/>
           </a:p>
@@ -2709,7 +2709,7 @@
           <a:p>
             <a:fld id="{F57857CC-207A-4D73-9A20-C856A5068D10}" type="datetimeFigureOut">
               <a:rPr lang="en-US" smtClean="0"/>
-              <a:t>1/2/19</a:t>
+              <a:t>1/8/19</a:t>
             </a:fld>
             <a:endParaRPr lang="en-US"/>
           </a:p>
@@ -2950,7 +2950,7 @@
           <a:p>
             <a:fld id="{F57857CC-207A-4D73-9A20-C856A5068D10}" type="datetimeFigureOut">
               <a:rPr lang="en-US" smtClean="0"/>
-              <a:t>1/2/19</a:t>
+              <a:t>1/8/19</a:t>
             </a:fld>
             <a:endParaRPr lang="en-US"/>
           </a:p>
@@ -4915,7 +4915,7 @@
         <p:spPr>
           <a:xfrm>
             <a:off x="1471496" y="3137901"/>
-            <a:ext cx="9643214" cy="1200329"/>
+            <a:ext cx="9643214" cy="1015663"/>
           </a:xfrm>
           <a:prstGeom prst="rect">
             <a:avLst/>
@@ -4929,7 +4929,7 @@
           <a:lstStyle/>
           <a:p>
             <a:r>
-              <a:rPr lang="en-US" sz="2400" dirty="0">
+              <a:rPr lang="en-US" sz="2000" dirty="0">
                 <a:solidFill>
                   <a:schemeClr val="bg1">
                     <a:lumMod val="65000"/>
@@ -4939,7 +4939,7 @@
               <a:t>A fast and lightweight JavaScript Library that allows for quick and easy HTML element selection, event handling, document traversal, </a:t>
             </a:r>
             <a:r>
-              <a:rPr lang="en-US" sz="2400" dirty="0" err="1">
+              <a:rPr lang="en-US" sz="2000" dirty="0" err="1">
                 <a:solidFill>
                   <a:schemeClr val="bg1">
                     <a:lumMod val="65000"/>
@@ -4949,7 +4949,7 @@
               <a:t>css</a:t>
             </a:r>
             <a:r>
-              <a:rPr lang="en-US" sz="2400" dirty="0">
+              <a:rPr lang="en-US" sz="2000" dirty="0">
                 <a:solidFill>
                   <a:schemeClr val="bg1">
                     <a:lumMod val="65000"/>
@@ -6528,8 +6528,8 @@
         </p:nvSpPr>
         <p:spPr>
           <a:xfrm>
-            <a:off x="1808313" y="1957072"/>
-            <a:ext cx="377026" cy="553998"/>
+            <a:off x="1808313" y="2062579"/>
+            <a:ext cx="312906" cy="400110"/>
           </a:xfrm>
           <a:prstGeom prst="rect">
             <a:avLst/>
@@ -6542,7 +6542,7 @@
           <a:lstStyle/>
           <a:p>
             <a:r>
-              <a:rPr lang="en-US" sz="3000" b="1" dirty="0"/>
+              <a:rPr lang="en-US" sz="2000" b="1" dirty="0"/>
               <a:t>+</a:t>
             </a:r>
           </a:p>
@@ -6562,8 +6562,8 @@
         </p:nvSpPr>
         <p:spPr>
           <a:xfrm>
-            <a:off x="1845983" y="2592814"/>
-            <a:ext cx="301686" cy="553998"/>
+            <a:off x="1845983" y="2698321"/>
+            <a:ext cx="263214" cy="400110"/>
           </a:xfrm>
           <a:prstGeom prst="rect">
             <a:avLst/>
@@ -6576,7 +6576,7 @@
           <a:lstStyle/>
           <a:p>
             <a:r>
-              <a:rPr lang="en-US" sz="3000" b="1" dirty="0"/>
+              <a:rPr lang="en-US" sz="2000" b="1" dirty="0"/>
               <a:t>-</a:t>
             </a:r>
           </a:p>
@@ -6685,7 +6685,7 @@
           <a:p>
             <a:r>
               <a:rPr lang="en-US" sz="2000" dirty="0"/>
-              <a:t>then so does your site.</a:t>
+              <a:t>then so do interactions on your site.</a:t>
             </a:r>
           </a:p>
         </p:txBody>
@@ -6704,8 +6704,8 @@
         </p:nvSpPr>
         <p:spPr>
           <a:xfrm>
-            <a:off x="1808313" y="4346963"/>
-            <a:ext cx="377026" cy="553998"/>
+            <a:off x="1808313" y="4440747"/>
+            <a:ext cx="312906" cy="400110"/>
           </a:xfrm>
           <a:prstGeom prst="rect">
             <a:avLst/>
@@ -6718,7 +6718,7 @@
           <a:lstStyle/>
           <a:p>
             <a:r>
-              <a:rPr lang="en-US" sz="3000" b="1" dirty="0"/>
+              <a:rPr lang="en-US" sz="2000" b="1" dirty="0"/>
               <a:t>+</a:t>
             </a:r>
           </a:p>
@@ -6738,8 +6738,8 @@
         </p:nvSpPr>
         <p:spPr>
           <a:xfrm>
-            <a:off x="1845983" y="4982705"/>
-            <a:ext cx="301686" cy="553998"/>
+            <a:off x="1845983" y="5076489"/>
+            <a:ext cx="263214" cy="400110"/>
           </a:xfrm>
           <a:prstGeom prst="rect">
             <a:avLst/>
@@ -6752,7 +6752,7 @@
           <a:lstStyle/>
           <a:p>
             <a:r>
-              <a:rPr lang="en-US" sz="3000" b="1" dirty="0"/>
+              <a:rPr lang="en-US" sz="2000" b="1" dirty="0"/>
               <a:t>-</a:t>
             </a:r>
           </a:p>
@@ -7123,7 +7123,7 @@
         </p:nvSpPr>
         <p:spPr>
           <a:xfrm>
-            <a:off x="2143822" y="1791354"/>
+            <a:off x="1469694" y="1729534"/>
             <a:ext cx="9294199" cy="1015663"/>
           </a:xfrm>
           <a:prstGeom prst="rect">

--- a/assets/lectures/BPW_Lecture_08.pptx
+++ b/assets/lectures/BPW_Lecture_08.pptx
@@ -33,8 +33,9 @@
     <p:sldId id="325" r:id="rId27"/>
     <p:sldId id="326" r:id="rId28"/>
     <p:sldId id="340" r:id="rId29"/>
-    <p:sldId id="341" r:id="rId30"/>
-    <p:sldId id="302" r:id="rId31"/>
+    <p:sldId id="342" r:id="rId30"/>
+    <p:sldId id="341" r:id="rId31"/>
+    <p:sldId id="302" r:id="rId32"/>
   </p:sldIdLst>
   <p:sldSz cx="12192000" cy="6858000"/>
   <p:notesSz cx="6858000" cy="9144000"/>
@@ -300,7 +301,7 @@
           <a:p>
             <a:fld id="{F57857CC-207A-4D73-9A20-C856A5068D10}" type="datetimeFigureOut">
               <a:rPr lang="en-US" smtClean="0"/>
-              <a:t>1/8/19</a:t>
+              <a:t>1/12/19</a:t>
             </a:fld>
             <a:endParaRPr lang="en-US"/>
           </a:p>
@@ -498,7 +499,7 @@
           <a:p>
             <a:fld id="{F57857CC-207A-4D73-9A20-C856A5068D10}" type="datetimeFigureOut">
               <a:rPr lang="en-US" smtClean="0"/>
-              <a:t>1/8/19</a:t>
+              <a:t>1/12/19</a:t>
             </a:fld>
             <a:endParaRPr lang="en-US"/>
           </a:p>
@@ -706,7 +707,7 @@
           <a:p>
             <a:fld id="{F57857CC-207A-4D73-9A20-C856A5068D10}" type="datetimeFigureOut">
               <a:rPr lang="en-US" smtClean="0"/>
-              <a:t>1/8/19</a:t>
+              <a:t>1/12/19</a:t>
             </a:fld>
             <a:endParaRPr lang="en-US"/>
           </a:p>
@@ -904,7 +905,7 @@
           <a:p>
             <a:fld id="{F57857CC-207A-4D73-9A20-C856A5068D10}" type="datetimeFigureOut">
               <a:rPr lang="en-US" smtClean="0"/>
-              <a:t>1/8/19</a:t>
+              <a:t>1/12/19</a:t>
             </a:fld>
             <a:endParaRPr lang="en-US"/>
           </a:p>
@@ -1179,7 +1180,7 @@
           <a:p>
             <a:fld id="{F57857CC-207A-4D73-9A20-C856A5068D10}" type="datetimeFigureOut">
               <a:rPr lang="en-US" smtClean="0"/>
-              <a:t>1/8/19</a:t>
+              <a:t>1/12/19</a:t>
             </a:fld>
             <a:endParaRPr lang="en-US"/>
           </a:p>
@@ -1444,7 +1445,7 @@
           <a:p>
             <a:fld id="{F57857CC-207A-4D73-9A20-C856A5068D10}" type="datetimeFigureOut">
               <a:rPr lang="en-US" smtClean="0"/>
-              <a:t>1/8/19</a:t>
+              <a:t>1/12/19</a:t>
             </a:fld>
             <a:endParaRPr lang="en-US"/>
           </a:p>
@@ -1856,7 +1857,7 @@
           <a:p>
             <a:fld id="{F57857CC-207A-4D73-9A20-C856A5068D10}" type="datetimeFigureOut">
               <a:rPr lang="en-US" smtClean="0"/>
-              <a:t>1/8/19</a:t>
+              <a:t>1/12/19</a:t>
             </a:fld>
             <a:endParaRPr lang="en-US"/>
           </a:p>
@@ -1997,7 +1998,7 @@
           <a:p>
             <a:fld id="{F57857CC-207A-4D73-9A20-C856A5068D10}" type="datetimeFigureOut">
               <a:rPr lang="en-US" smtClean="0"/>
-              <a:t>1/8/19</a:t>
+              <a:t>1/12/19</a:t>
             </a:fld>
             <a:endParaRPr lang="en-US"/>
           </a:p>
@@ -2110,7 +2111,7 @@
           <a:p>
             <a:fld id="{F57857CC-207A-4D73-9A20-C856A5068D10}" type="datetimeFigureOut">
               <a:rPr lang="en-US" smtClean="0"/>
-              <a:t>1/8/19</a:t>
+              <a:t>1/12/19</a:t>
             </a:fld>
             <a:endParaRPr lang="en-US"/>
           </a:p>
@@ -2421,7 +2422,7 @@
           <a:p>
             <a:fld id="{F57857CC-207A-4D73-9A20-C856A5068D10}" type="datetimeFigureOut">
               <a:rPr lang="en-US" smtClean="0"/>
-              <a:t>1/8/19</a:t>
+              <a:t>1/12/19</a:t>
             </a:fld>
             <a:endParaRPr lang="en-US"/>
           </a:p>
@@ -2709,7 +2710,7 @@
           <a:p>
             <a:fld id="{F57857CC-207A-4D73-9A20-C856A5068D10}" type="datetimeFigureOut">
               <a:rPr lang="en-US" smtClean="0"/>
-              <a:t>1/8/19</a:t>
+              <a:t>1/12/19</a:t>
             </a:fld>
             <a:endParaRPr lang="en-US"/>
           </a:p>
@@ -2950,7 +2951,7 @@
           <a:p>
             <a:fld id="{F57857CC-207A-4D73-9A20-C856A5068D10}" type="datetimeFigureOut">
               <a:rPr lang="en-US" smtClean="0"/>
-              <a:t>1/8/19</a:t>
+              <a:t>1/12/19</a:t>
             </a:fld>
             <a:endParaRPr lang="en-US"/>
           </a:p>
@@ -15611,10 +15612,10 @@
       </p:sp>
       <p:sp>
         <p:nvSpPr>
-          <p:cNvPr id="12" name="TextBox 11">
-            <a:extLst>
-              <a:ext uri="{FF2B5EF4-FFF2-40B4-BE49-F238E27FC236}">
-                <a16:creationId xmlns:a16="http://schemas.microsoft.com/office/drawing/2014/main" id="{534D470F-9684-FB40-9707-E01DCFD4FD8E}"/>
+          <p:cNvPr id="7" name="TextBox 6">
+            <a:extLst>
+              <a:ext uri="{FF2B5EF4-FFF2-40B4-BE49-F238E27FC236}">
+                <a16:creationId xmlns:a16="http://schemas.microsoft.com/office/drawing/2014/main" id="{E033C66E-D09C-49B0-9053-58CF926A50A4}"/>
               </a:ext>
             </a:extLst>
           </p:cNvPr>
@@ -15623,108 +15624,8 @@
         </p:nvSpPr>
         <p:spPr>
           <a:xfrm>
-            <a:off x="536954" y="1318963"/>
-            <a:ext cx="10579395" cy="1891287"/>
-          </a:xfrm>
-          <a:prstGeom prst="rect">
-            <a:avLst/>
-          </a:prstGeom>
-          <a:noFill/>
-        </p:spPr>
-        <p:txBody>
-          <a:bodyPr wrap="square" rtlCol="0">
-            <a:spAutoFit/>
-          </a:bodyPr>
-          <a:lstStyle/>
-          <a:p>
-            <a:pPr marL="342900" indent="-342900">
-              <a:lnSpc>
-                <a:spcPct val="150000"/>
-              </a:lnSpc>
-              <a:buFont typeface="Wingdings" pitchFamily="2" charset="2"/>
-              <a:buChar char="q"/>
-            </a:pPr>
-            <a:r>
-              <a:rPr lang="en-US" sz="2000" dirty="0"/>
-              <a:t>Create a separate </a:t>
-            </a:r>
-            <a:r>
-              <a:rPr lang="en-US" sz="2000" dirty="0" err="1"/>
-              <a:t>JQuery</a:t>
-            </a:r>
-            <a:r>
-              <a:rPr lang="en-US" sz="2000" dirty="0"/>
-              <a:t> file and link it into your HTML files.</a:t>
-            </a:r>
-          </a:p>
-          <a:p>
-            <a:pPr marL="342900" indent="-342900">
-              <a:lnSpc>
-                <a:spcPct val="150000"/>
-              </a:lnSpc>
-              <a:buFont typeface="Wingdings" pitchFamily="2" charset="2"/>
-              <a:buChar char="q"/>
-            </a:pPr>
-            <a:r>
-              <a:rPr lang="en-US" sz="2000" dirty="0"/>
-              <a:t>Convert HTML links to </a:t>
-            </a:r>
-            <a:r>
-              <a:rPr lang="en-US" sz="2000" dirty="0" err="1"/>
-              <a:t>JQuery</a:t>
-            </a:r>
-            <a:r>
-              <a:rPr lang="en-US" sz="2000" dirty="0"/>
-              <a:t> links that open in a new page.</a:t>
-            </a:r>
-          </a:p>
-          <a:p>
-            <a:pPr marL="342900" indent="-342900">
-              <a:lnSpc>
-                <a:spcPct val="150000"/>
-              </a:lnSpc>
-              <a:buFont typeface="Wingdings" pitchFamily="2" charset="2"/>
-              <a:buChar char="q"/>
-            </a:pPr>
-            <a:r>
-              <a:rPr lang="en-US" sz="2000" dirty="0"/>
-              <a:t>Change CSS properties using </a:t>
-            </a:r>
-            <a:r>
-              <a:rPr lang="en-US" sz="2000" dirty="0" err="1"/>
-              <a:t>JQuery</a:t>
-            </a:r>
-            <a:r>
-              <a:rPr lang="en-US" sz="2000" dirty="0"/>
-              <a:t>.</a:t>
-            </a:r>
-          </a:p>
-          <a:p>
-            <a:pPr>
-              <a:lnSpc>
-                <a:spcPct val="150000"/>
-              </a:lnSpc>
-            </a:pPr>
-            <a:endParaRPr lang="en-US" sz="2000" dirty="0"/>
-          </a:p>
-        </p:txBody>
-      </p:sp>
-      <p:sp>
-        <p:nvSpPr>
-          <p:cNvPr id="14" name="TextBox 13">
-            <a:extLst>
-              <a:ext uri="{FF2B5EF4-FFF2-40B4-BE49-F238E27FC236}">
-                <a16:creationId xmlns:a16="http://schemas.microsoft.com/office/drawing/2014/main" id="{54D48F90-7555-4849-8178-01595E8263B0}"/>
-              </a:ext>
-            </a:extLst>
-          </p:cNvPr>
-          <p:cNvSpPr txBox="1"/>
-          <p:nvPr/>
-        </p:nvSpPr>
-        <p:spPr>
-          <a:xfrm>
-            <a:off x="3703675" y="9526"/>
-            <a:ext cx="4784649" cy="1003031"/>
+            <a:off x="3826041" y="127524"/>
+            <a:ext cx="4539917" cy="837473"/>
           </a:xfrm>
           <a:prstGeom prst="rect">
             <a:avLst/>
@@ -15743,18 +15644,18 @@
               </a:lnSpc>
             </a:pPr>
             <a:r>
-              <a:rPr lang="en-US" sz="4400" dirty="0"/>
-              <a:t>Homework Ideas</a:t>
+              <a:rPr lang="en-US" sz="3600" dirty="0"/>
+              <a:t>Replacing Variables</a:t>
             </a:r>
           </a:p>
         </p:txBody>
       </p:sp>
       <p:cxnSp>
         <p:nvCxnSpPr>
-          <p:cNvPr id="17" name="Straight Connector 16">
-            <a:extLst>
-              <a:ext uri="{FF2B5EF4-FFF2-40B4-BE49-F238E27FC236}">
-                <a16:creationId xmlns:a16="http://schemas.microsoft.com/office/drawing/2014/main" id="{FD66E93F-B9B4-834D-A867-1AEF42942076}"/>
+          <p:cNvPr id="15" name="Straight Connector 14">
+            <a:extLst>
+              <a:ext uri="{FF2B5EF4-FFF2-40B4-BE49-F238E27FC236}">
+                <a16:creationId xmlns:a16="http://schemas.microsoft.com/office/drawing/2014/main" id="{D208707B-0C5B-5248-A48F-2AA966753A85}"/>
               </a:ext>
             </a:extLst>
           </p:cNvPr>
@@ -15765,7 +15666,7 @@
         </p:nvCxnSpPr>
         <p:spPr>
           <a:xfrm>
-            <a:off x="5955606" y="1013664"/>
+            <a:off x="5906801" y="1013664"/>
             <a:ext cx="419986" cy="0"/>
           </a:xfrm>
           <a:prstGeom prst="line">
@@ -15788,10 +15689,293 @@
           </a:fontRef>
         </p:style>
       </p:cxnSp>
+      <p:sp>
+        <p:nvSpPr>
+          <p:cNvPr id="18" name="Rectangle 17">
+            <a:extLst>
+              <a:ext uri="{FF2B5EF4-FFF2-40B4-BE49-F238E27FC236}">
+                <a16:creationId xmlns:a16="http://schemas.microsoft.com/office/drawing/2014/main" id="{A2E92F3C-26FA-3D49-8CFD-7A76D3112C5F}"/>
+              </a:ext>
+            </a:extLst>
+          </p:cNvPr>
+          <p:cNvSpPr/>
+          <p:nvPr/>
+        </p:nvSpPr>
+        <p:spPr>
+          <a:xfrm>
+            <a:off x="373768" y="3434354"/>
+            <a:ext cx="11202872" cy="632000"/>
+          </a:xfrm>
+          <a:prstGeom prst="rect">
+            <a:avLst/>
+          </a:prstGeom>
+          <a:solidFill>
+            <a:schemeClr val="bg1">
+              <a:lumMod val="95000"/>
+            </a:schemeClr>
+          </a:solidFill>
+          <a:ln w="3175">
+            <a:solidFill>
+              <a:schemeClr val="bg1">
+                <a:lumMod val="85000"/>
+              </a:schemeClr>
+            </a:solidFill>
+          </a:ln>
+        </p:spPr>
+        <p:style>
+          <a:lnRef idx="2">
+            <a:schemeClr val="accent1">
+              <a:shade val="50000"/>
+            </a:schemeClr>
+          </a:lnRef>
+          <a:fillRef idx="1">
+            <a:schemeClr val="accent1"/>
+          </a:fillRef>
+          <a:effectRef idx="0">
+            <a:schemeClr val="accent1"/>
+          </a:effectRef>
+          <a:fontRef idx="minor">
+            <a:schemeClr val="lt1"/>
+          </a:fontRef>
+        </p:style>
+        <p:txBody>
+          <a:bodyPr rtlCol="0" anchor="ctr"/>
+          <a:lstStyle/>
+          <a:p>
+            <a:pPr lvl="1"/>
+            <a:r>
+              <a:rPr lang="en-US" dirty="0">
+                <a:solidFill>
+                  <a:srgbClr val="FF0000"/>
+                </a:solidFill>
+              </a:rPr>
+              <a:t>$</a:t>
+            </a:r>
+            <a:r>
+              <a:rPr lang="en-US" dirty="0">
+                <a:solidFill>
+                  <a:schemeClr val="accent1"/>
+                </a:solidFill>
+              </a:rPr>
+              <a:t>(“</a:t>
+            </a:r>
+            <a:r>
+              <a:rPr lang="en-US" dirty="0">
+                <a:solidFill>
+                  <a:srgbClr val="00B050"/>
+                </a:solidFill>
+              </a:rPr>
+              <a:t>:root</a:t>
+            </a:r>
+            <a:r>
+              <a:rPr lang="en-US" dirty="0">
+                <a:solidFill>
+                  <a:schemeClr val="accent1"/>
+                </a:solidFill>
+              </a:rPr>
+              <a:t>”).</a:t>
+            </a:r>
+            <a:r>
+              <a:rPr lang="en-US" dirty="0" err="1">
+                <a:solidFill>
+                  <a:schemeClr val="accent1"/>
+                </a:solidFill>
+              </a:rPr>
+              <a:t>css</a:t>
+            </a:r>
+            <a:r>
+              <a:rPr lang="en-US" dirty="0">
+                <a:solidFill>
+                  <a:schemeClr val="accent1"/>
+                </a:solidFill>
+              </a:rPr>
+              <a:t>( “--grey”, “#7a7a7a”);</a:t>
+            </a:r>
+          </a:p>
+        </p:txBody>
+      </p:sp>
+      <p:sp>
+        <p:nvSpPr>
+          <p:cNvPr id="20" name="TextBox 19">
+            <a:extLst>
+              <a:ext uri="{FF2B5EF4-FFF2-40B4-BE49-F238E27FC236}">
+                <a16:creationId xmlns:a16="http://schemas.microsoft.com/office/drawing/2014/main" id="{D6D679DF-FC44-BA41-8900-5DFAFD7D04AE}"/>
+              </a:ext>
+            </a:extLst>
+          </p:cNvPr>
+          <p:cNvSpPr txBox="1"/>
+          <p:nvPr/>
+        </p:nvSpPr>
+        <p:spPr>
+          <a:xfrm>
+            <a:off x="409808" y="3012799"/>
+            <a:ext cx="9714226" cy="400110"/>
+          </a:xfrm>
+          <a:prstGeom prst="rect">
+            <a:avLst/>
+          </a:prstGeom>
+          <a:noFill/>
+        </p:spPr>
+        <p:txBody>
+          <a:bodyPr wrap="square" rtlCol="0">
+            <a:spAutoFit/>
+          </a:bodyPr>
+          <a:lstStyle/>
+          <a:p>
+            <a:r>
+              <a:rPr lang="en-US" sz="2000" dirty="0"/>
+              <a:t>We can replace preset variables in CSS using </a:t>
+            </a:r>
+            <a:r>
+              <a:rPr lang="en-US" sz="2000" dirty="0" err="1"/>
+              <a:t>JQuery</a:t>
+            </a:r>
+            <a:r>
+              <a:rPr lang="en-US" sz="2000" dirty="0"/>
+              <a:t>:</a:t>
+            </a:r>
+          </a:p>
+        </p:txBody>
+      </p:sp>
+      <p:sp>
+        <p:nvSpPr>
+          <p:cNvPr id="12" name="Rectangle 11">
+            <a:extLst>
+              <a:ext uri="{FF2B5EF4-FFF2-40B4-BE49-F238E27FC236}">
+                <a16:creationId xmlns:a16="http://schemas.microsoft.com/office/drawing/2014/main" id="{F81D50BC-791C-1A44-85F8-BDD11FE0FF8F}"/>
+              </a:ext>
+            </a:extLst>
+          </p:cNvPr>
+          <p:cNvSpPr/>
+          <p:nvPr/>
+        </p:nvSpPr>
+        <p:spPr>
+          <a:xfrm>
+            <a:off x="373768" y="1823039"/>
+            <a:ext cx="11202872" cy="967054"/>
+          </a:xfrm>
+          <a:prstGeom prst="rect">
+            <a:avLst/>
+          </a:prstGeom>
+          <a:solidFill>
+            <a:schemeClr val="bg1">
+              <a:lumMod val="95000"/>
+            </a:schemeClr>
+          </a:solidFill>
+          <a:ln w="3175">
+            <a:solidFill>
+              <a:schemeClr val="bg1">
+                <a:lumMod val="85000"/>
+              </a:schemeClr>
+            </a:solidFill>
+          </a:ln>
+        </p:spPr>
+        <p:style>
+          <a:lnRef idx="2">
+            <a:schemeClr val="accent1">
+              <a:shade val="50000"/>
+            </a:schemeClr>
+          </a:lnRef>
+          <a:fillRef idx="1">
+            <a:schemeClr val="accent1"/>
+          </a:fillRef>
+          <a:effectRef idx="0">
+            <a:schemeClr val="accent1"/>
+          </a:effectRef>
+          <a:fontRef idx="minor">
+            <a:schemeClr val="lt1"/>
+          </a:fontRef>
+        </p:style>
+        <p:txBody>
+          <a:bodyPr rtlCol="0" anchor="ctr"/>
+          <a:lstStyle/>
+          <a:p>
+            <a:pPr lvl="1"/>
+            <a:r>
+              <a:rPr lang="en-US" dirty="0">
+                <a:solidFill>
+                  <a:srgbClr val="00B050"/>
+                </a:solidFill>
+              </a:rPr>
+              <a:t>:root</a:t>
+            </a:r>
+            <a:r>
+              <a:rPr lang="en-US" dirty="0">
+                <a:solidFill>
+                  <a:schemeClr val="accent1"/>
+                </a:solidFill>
+              </a:rPr>
+              <a:t> </a:t>
+            </a:r>
+            <a:r>
+              <a:rPr lang="en-US" dirty="0">
+                <a:solidFill>
+                  <a:schemeClr val="tx1"/>
+                </a:solidFill>
+              </a:rPr>
+              <a:t>{</a:t>
+            </a:r>
+          </a:p>
+          <a:p>
+            <a:pPr lvl="1"/>
+            <a:r>
+              <a:rPr lang="en-US" dirty="0">
+                <a:solidFill>
+                  <a:schemeClr val="accent1"/>
+                </a:solidFill>
+              </a:rPr>
+              <a:t>	 --grey: #7b7b7b;  </a:t>
+            </a:r>
+            <a:r>
+              <a:rPr lang="en-US" dirty="0">
+                <a:solidFill>
+                  <a:schemeClr val="tx1"/>
+                </a:solidFill>
+              </a:rPr>
+              <a:t>}</a:t>
+            </a:r>
+          </a:p>
+        </p:txBody>
+      </p:sp>
+      <p:sp>
+        <p:nvSpPr>
+          <p:cNvPr id="14" name="TextBox 13">
+            <a:extLst>
+              <a:ext uri="{FF2B5EF4-FFF2-40B4-BE49-F238E27FC236}">
+                <a16:creationId xmlns:a16="http://schemas.microsoft.com/office/drawing/2014/main" id="{6F200759-AD54-2246-AD3B-BD1EBC538F73}"/>
+              </a:ext>
+            </a:extLst>
+          </p:cNvPr>
+          <p:cNvSpPr txBox="1"/>
+          <p:nvPr/>
+        </p:nvSpPr>
+        <p:spPr>
+          <a:xfrm>
+            <a:off x="409808" y="1401484"/>
+            <a:ext cx="9714226" cy="400110"/>
+          </a:xfrm>
+          <a:prstGeom prst="rect">
+            <a:avLst/>
+          </a:prstGeom>
+          <a:noFill/>
+        </p:spPr>
+        <p:txBody>
+          <a:bodyPr wrap="square" rtlCol="0">
+            <a:spAutoFit/>
+          </a:bodyPr>
+          <a:lstStyle/>
+          <a:p>
+            <a:r>
+              <a:rPr lang="en-US" sz="2000" dirty="0"/>
+              <a:t>Say we define a variable in CSS:</a:t>
+            </a:r>
+          </a:p>
+        </p:txBody>
+      </p:sp>
     </p:spTree>
     <p:extLst>
       <p:ext uri="{BB962C8B-B14F-4D97-AF65-F5344CB8AC3E}">
-        <p14:creationId xmlns:p14="http://schemas.microsoft.com/office/powerpoint/2010/main" val="2632673702"/>
+        <p14:creationId xmlns:p14="http://schemas.microsoft.com/office/powerpoint/2010/main" val="863726663"/>
       </p:ext>
     </p:extLst>
   </p:cSld>
@@ -16065,6 +16249,418 @@
 </file>
 
 <file path=ppt/slides/slide30.xml><?xml version="1.0" encoding="utf-8"?>
+<p:sld xmlns:a="http://schemas.openxmlformats.org/drawingml/2006/main" xmlns:r="http://schemas.openxmlformats.org/officeDocument/2006/relationships" xmlns:p="http://schemas.openxmlformats.org/presentationml/2006/main">
+  <p:cSld>
+    <p:bg>
+      <p:bgPr>
+        <a:solidFill>
+          <a:schemeClr val="bg2"/>
+        </a:solidFill>
+        <a:effectLst/>
+      </p:bgPr>
+    </p:bg>
+    <p:spTree>
+      <p:nvGrpSpPr>
+        <p:cNvPr id="1" name=""/>
+        <p:cNvGrpSpPr/>
+        <p:nvPr/>
+      </p:nvGrpSpPr>
+      <p:grpSpPr>
+        <a:xfrm>
+          <a:off x="0" y="0"/>
+          <a:ext cx="0" cy="0"/>
+          <a:chOff x="0" y="0"/>
+          <a:chExt cx="0" cy="0"/>
+        </a:xfrm>
+      </p:grpSpPr>
+      <p:sp>
+        <p:nvSpPr>
+          <p:cNvPr id="4" name="Rectangle 3">
+            <a:extLst>
+              <a:ext uri="{FF2B5EF4-FFF2-40B4-BE49-F238E27FC236}">
+                <a16:creationId xmlns:a16="http://schemas.microsoft.com/office/drawing/2014/main" id="{678F1DA2-2833-49FF-9287-44720AC6C8D2}"/>
+              </a:ext>
+            </a:extLst>
+          </p:cNvPr>
+          <p:cNvSpPr/>
+          <p:nvPr/>
+        </p:nvSpPr>
+        <p:spPr>
+          <a:xfrm>
+            <a:off x="0" y="6581001"/>
+            <a:ext cx="9976268" cy="276999"/>
+          </a:xfrm>
+          <a:prstGeom prst="rect">
+            <a:avLst/>
+          </a:prstGeom>
+          <a:solidFill>
+            <a:srgbClr val="92D050"/>
+          </a:solidFill>
+          <a:ln>
+            <a:noFill/>
+          </a:ln>
+        </p:spPr>
+        <p:style>
+          <a:lnRef idx="2">
+            <a:schemeClr val="accent1">
+              <a:shade val="50000"/>
+            </a:schemeClr>
+          </a:lnRef>
+          <a:fillRef idx="1">
+            <a:schemeClr val="accent1"/>
+          </a:fillRef>
+          <a:effectRef idx="0">
+            <a:schemeClr val="accent1"/>
+          </a:effectRef>
+          <a:fontRef idx="minor">
+            <a:schemeClr val="lt1"/>
+          </a:fontRef>
+        </p:style>
+        <p:txBody>
+          <a:bodyPr rtlCol="0" anchor="ctr"/>
+          <a:lstStyle/>
+          <a:p>
+            <a:pPr algn="ctr"/>
+            <a:endParaRPr lang="en-US" dirty="0"/>
+          </a:p>
+        </p:txBody>
+      </p:sp>
+      <p:sp>
+        <p:nvSpPr>
+          <p:cNvPr id="5" name="TextBox 4">
+            <a:extLst>
+              <a:ext uri="{FF2B5EF4-FFF2-40B4-BE49-F238E27FC236}">
+                <a16:creationId xmlns:a16="http://schemas.microsoft.com/office/drawing/2014/main" id="{9758F7A4-2143-4CCD-B8B3-8B4A1461ECF9}"/>
+              </a:ext>
+            </a:extLst>
+          </p:cNvPr>
+          <p:cNvSpPr txBox="1"/>
+          <p:nvPr/>
+        </p:nvSpPr>
+        <p:spPr>
+          <a:xfrm>
+            <a:off x="36674" y="6583215"/>
+            <a:ext cx="2682077" cy="276999"/>
+          </a:xfrm>
+          <a:prstGeom prst="rect">
+            <a:avLst/>
+          </a:prstGeom>
+          <a:noFill/>
+        </p:spPr>
+        <p:txBody>
+          <a:bodyPr wrap="square" rtlCol="0">
+            <a:spAutoFit/>
+          </a:bodyPr>
+          <a:lstStyle/>
+          <a:p>
+            <a:r>
+              <a:rPr lang="en-US" sz="1200" dirty="0">
+                <a:solidFill>
+                  <a:schemeClr val="bg1"/>
+                </a:solidFill>
+              </a:rPr>
+              <a:t>Building Personal Websites</a:t>
+            </a:r>
+          </a:p>
+        </p:txBody>
+      </p:sp>
+      <p:sp>
+        <p:nvSpPr>
+          <p:cNvPr id="6" name="Rectangle 5">
+            <a:extLst>
+              <a:ext uri="{FF2B5EF4-FFF2-40B4-BE49-F238E27FC236}">
+                <a16:creationId xmlns:a16="http://schemas.microsoft.com/office/drawing/2014/main" id="{40845236-8634-4353-BA0D-8817FE36EC7A}"/>
+              </a:ext>
+            </a:extLst>
+          </p:cNvPr>
+          <p:cNvSpPr/>
+          <p:nvPr/>
+        </p:nvSpPr>
+        <p:spPr>
+          <a:xfrm>
+            <a:off x="9921514" y="6581001"/>
+            <a:ext cx="2270485" cy="276999"/>
+          </a:xfrm>
+          <a:prstGeom prst="rect">
+            <a:avLst/>
+          </a:prstGeom>
+          <a:solidFill>
+            <a:srgbClr val="00B0F0"/>
+          </a:solidFill>
+          <a:ln>
+            <a:noFill/>
+          </a:ln>
+        </p:spPr>
+        <p:style>
+          <a:lnRef idx="2">
+            <a:schemeClr val="accent1">
+              <a:shade val="50000"/>
+            </a:schemeClr>
+          </a:lnRef>
+          <a:fillRef idx="1">
+            <a:schemeClr val="accent1"/>
+          </a:fillRef>
+          <a:effectRef idx="0">
+            <a:schemeClr val="accent1"/>
+          </a:effectRef>
+          <a:fontRef idx="minor">
+            <a:schemeClr val="lt1"/>
+          </a:fontRef>
+        </p:style>
+        <p:txBody>
+          <a:bodyPr rtlCol="0" anchor="ctr"/>
+          <a:lstStyle/>
+          <a:p>
+            <a:pPr algn="ctr"/>
+            <a:endParaRPr lang="en-US" dirty="0"/>
+          </a:p>
+        </p:txBody>
+      </p:sp>
+      <p:sp>
+        <p:nvSpPr>
+          <p:cNvPr id="8" name="TextBox 7">
+            <a:extLst>
+              <a:ext uri="{FF2B5EF4-FFF2-40B4-BE49-F238E27FC236}">
+                <a16:creationId xmlns:a16="http://schemas.microsoft.com/office/drawing/2014/main" id="{6403EA4A-E7EB-4525-B0D2-13B3997D5780}"/>
+              </a:ext>
+            </a:extLst>
+          </p:cNvPr>
+          <p:cNvSpPr txBox="1"/>
+          <p:nvPr/>
+        </p:nvSpPr>
+        <p:spPr>
+          <a:xfrm>
+            <a:off x="9958188" y="6578787"/>
+            <a:ext cx="2682077" cy="276999"/>
+          </a:xfrm>
+          <a:prstGeom prst="rect">
+            <a:avLst/>
+          </a:prstGeom>
+          <a:noFill/>
+        </p:spPr>
+        <p:txBody>
+          <a:bodyPr wrap="square" rtlCol="0">
+            <a:spAutoFit/>
+          </a:bodyPr>
+          <a:lstStyle/>
+          <a:p>
+            <a:r>
+              <a:rPr lang="en-US" sz="1200" dirty="0">
+                <a:solidFill>
+                  <a:schemeClr val="bg1"/>
+                </a:solidFill>
+              </a:rPr>
+              <a:t>Lecture 08 | Intro to </a:t>
+            </a:r>
+            <a:r>
+              <a:rPr lang="en-US" sz="1200" dirty="0" err="1">
+                <a:solidFill>
+                  <a:schemeClr val="bg1"/>
+                </a:solidFill>
+              </a:rPr>
+              <a:t>JQuery</a:t>
+            </a:r>
+            <a:endParaRPr lang="en-US" sz="1200" dirty="0">
+              <a:solidFill>
+                <a:schemeClr val="bg1"/>
+              </a:solidFill>
+            </a:endParaRPr>
+          </a:p>
+        </p:txBody>
+      </p:sp>
+      <p:sp>
+        <p:nvSpPr>
+          <p:cNvPr id="12" name="TextBox 11">
+            <a:extLst>
+              <a:ext uri="{FF2B5EF4-FFF2-40B4-BE49-F238E27FC236}">
+                <a16:creationId xmlns:a16="http://schemas.microsoft.com/office/drawing/2014/main" id="{534D470F-9684-FB40-9707-E01DCFD4FD8E}"/>
+              </a:ext>
+            </a:extLst>
+          </p:cNvPr>
+          <p:cNvSpPr txBox="1"/>
+          <p:nvPr/>
+        </p:nvSpPr>
+        <p:spPr>
+          <a:xfrm>
+            <a:off x="536954" y="1318963"/>
+            <a:ext cx="10579395" cy="1891287"/>
+          </a:xfrm>
+          <a:prstGeom prst="rect">
+            <a:avLst/>
+          </a:prstGeom>
+          <a:noFill/>
+        </p:spPr>
+        <p:txBody>
+          <a:bodyPr wrap="square" rtlCol="0">
+            <a:spAutoFit/>
+          </a:bodyPr>
+          <a:lstStyle/>
+          <a:p>
+            <a:pPr marL="342900" indent="-342900">
+              <a:lnSpc>
+                <a:spcPct val="150000"/>
+              </a:lnSpc>
+              <a:buFont typeface="Wingdings" pitchFamily="2" charset="2"/>
+              <a:buChar char="q"/>
+            </a:pPr>
+            <a:r>
+              <a:rPr lang="en-US" sz="2000" dirty="0"/>
+              <a:t>Create a separate </a:t>
+            </a:r>
+            <a:r>
+              <a:rPr lang="en-US" sz="2000" dirty="0" err="1"/>
+              <a:t>JQuery</a:t>
+            </a:r>
+            <a:r>
+              <a:rPr lang="en-US" sz="2000" dirty="0"/>
+              <a:t> file and link it into your HTML files.</a:t>
+            </a:r>
+          </a:p>
+          <a:p>
+            <a:pPr marL="342900" indent="-342900">
+              <a:lnSpc>
+                <a:spcPct val="150000"/>
+              </a:lnSpc>
+              <a:buFont typeface="Wingdings" pitchFamily="2" charset="2"/>
+              <a:buChar char="q"/>
+            </a:pPr>
+            <a:r>
+              <a:rPr lang="en-US" sz="2000" dirty="0"/>
+              <a:t>Convert HTML links to </a:t>
+            </a:r>
+            <a:r>
+              <a:rPr lang="en-US" sz="2000" dirty="0" err="1"/>
+              <a:t>JQuery</a:t>
+            </a:r>
+            <a:r>
+              <a:rPr lang="en-US" sz="2000" dirty="0"/>
+              <a:t> links that open in a new page.</a:t>
+            </a:r>
+          </a:p>
+          <a:p>
+            <a:pPr marL="342900" indent="-342900">
+              <a:lnSpc>
+                <a:spcPct val="150000"/>
+              </a:lnSpc>
+              <a:buFont typeface="Wingdings" pitchFamily="2" charset="2"/>
+              <a:buChar char="q"/>
+            </a:pPr>
+            <a:r>
+              <a:rPr lang="en-US" sz="2000" dirty="0"/>
+              <a:t>Change CSS properties using </a:t>
+            </a:r>
+            <a:r>
+              <a:rPr lang="en-US" sz="2000" dirty="0" err="1"/>
+              <a:t>JQuery</a:t>
+            </a:r>
+            <a:r>
+              <a:rPr lang="en-US" sz="2000" dirty="0"/>
+              <a:t>.</a:t>
+            </a:r>
+          </a:p>
+          <a:p>
+            <a:pPr>
+              <a:lnSpc>
+                <a:spcPct val="150000"/>
+              </a:lnSpc>
+            </a:pPr>
+            <a:endParaRPr lang="en-US" sz="2000" dirty="0"/>
+          </a:p>
+        </p:txBody>
+      </p:sp>
+      <p:sp>
+        <p:nvSpPr>
+          <p:cNvPr id="14" name="TextBox 13">
+            <a:extLst>
+              <a:ext uri="{FF2B5EF4-FFF2-40B4-BE49-F238E27FC236}">
+                <a16:creationId xmlns:a16="http://schemas.microsoft.com/office/drawing/2014/main" id="{54D48F90-7555-4849-8178-01595E8263B0}"/>
+              </a:ext>
+            </a:extLst>
+          </p:cNvPr>
+          <p:cNvSpPr txBox="1"/>
+          <p:nvPr/>
+        </p:nvSpPr>
+        <p:spPr>
+          <a:xfrm>
+            <a:off x="3703675" y="9526"/>
+            <a:ext cx="4784649" cy="1003031"/>
+          </a:xfrm>
+          <a:prstGeom prst="rect">
+            <a:avLst/>
+          </a:prstGeom>
+          <a:noFill/>
+        </p:spPr>
+        <p:txBody>
+          <a:bodyPr wrap="square" rtlCol="0">
+            <a:spAutoFit/>
+          </a:bodyPr>
+          <a:lstStyle/>
+          <a:p>
+            <a:pPr algn="ctr">
+              <a:lnSpc>
+                <a:spcPct val="150000"/>
+              </a:lnSpc>
+            </a:pPr>
+            <a:r>
+              <a:rPr lang="en-US" sz="4400" dirty="0"/>
+              <a:t>Homework Ideas</a:t>
+            </a:r>
+          </a:p>
+        </p:txBody>
+      </p:sp>
+      <p:cxnSp>
+        <p:nvCxnSpPr>
+          <p:cNvPr id="17" name="Straight Connector 16">
+            <a:extLst>
+              <a:ext uri="{FF2B5EF4-FFF2-40B4-BE49-F238E27FC236}">
+                <a16:creationId xmlns:a16="http://schemas.microsoft.com/office/drawing/2014/main" id="{FD66E93F-B9B4-834D-A867-1AEF42942076}"/>
+              </a:ext>
+            </a:extLst>
+          </p:cNvPr>
+          <p:cNvCxnSpPr>
+            <a:cxnSpLocks/>
+          </p:cNvCxnSpPr>
+          <p:nvPr/>
+        </p:nvCxnSpPr>
+        <p:spPr>
+          <a:xfrm>
+            <a:off x="5955606" y="1013664"/>
+            <a:ext cx="419986" cy="0"/>
+          </a:xfrm>
+          <a:prstGeom prst="line">
+            <a:avLst/>
+          </a:prstGeom>
+          <a:ln w="28575"/>
+        </p:spPr>
+        <p:style>
+          <a:lnRef idx="1">
+            <a:schemeClr val="dk1"/>
+          </a:lnRef>
+          <a:fillRef idx="0">
+            <a:schemeClr val="dk1"/>
+          </a:fillRef>
+          <a:effectRef idx="0">
+            <a:schemeClr val="dk1"/>
+          </a:effectRef>
+          <a:fontRef idx="minor">
+            <a:schemeClr val="tx1"/>
+          </a:fontRef>
+        </p:style>
+      </p:cxnSp>
+    </p:spTree>
+    <p:extLst>
+      <p:ext uri="{BB962C8B-B14F-4D97-AF65-F5344CB8AC3E}">
+        <p14:creationId xmlns:p14="http://schemas.microsoft.com/office/powerpoint/2010/main" val="2632673702"/>
+      </p:ext>
+    </p:extLst>
+  </p:cSld>
+  <p:clrMapOvr>
+    <a:masterClrMapping/>
+  </p:clrMapOvr>
+</p:sld>
+</file>
+
+<file path=ppt/slides/slide31.xml><?xml version="1.0" encoding="utf-8"?>
 <p:sld xmlns:a="http://schemas.openxmlformats.org/drawingml/2006/main" xmlns:r="http://schemas.openxmlformats.org/officeDocument/2006/relationships" xmlns:p="http://schemas.openxmlformats.org/presentationml/2006/main">
   <p:cSld>
     <p:bg>
